--- a/Week_3/Lecture_1_Slides.pptx
+++ b/Week_3/Lecture_1_Slides.pptx
@@ -111,6 +111,11 @@
       </a:defRPr>
     </a:lvl9pPr>
   </p:defaultTextStyle>
+  <p:extLst>
+    <p:ext uri="{EFAFB233-063F-42B5-8137-9DF3F51BA10A}">
+      <p15:sldGuideLst xmlns:p15="http://schemas.microsoft.com/office/powerpoint/2012/main"/>
+    </p:ext>
+  </p:extLst>
 </p:presentation>
 </file>
 
@@ -245,7 +250,7 @@
           <a:p>
             <a:fld id="{893349FD-BFC8-4DCF-989B-61F6D4AAF5DD}" type="datetimeFigureOut">
               <a:rPr lang="en-US" smtClean="0"/>
-              <a:t>1/14/2017</a:t>
+              <a:t>1/22/2017</a:t>
             </a:fld>
             <a:endParaRPr lang="en-US"/>
           </a:p>
@@ -415,7 +420,7 @@
           <a:p>
             <a:fld id="{893349FD-BFC8-4DCF-989B-61F6D4AAF5DD}" type="datetimeFigureOut">
               <a:rPr lang="en-US" smtClean="0"/>
-              <a:t>1/14/2017</a:t>
+              <a:t>1/22/2017</a:t>
             </a:fld>
             <a:endParaRPr lang="en-US"/>
           </a:p>
@@ -595,7 +600,7 @@
           <a:p>
             <a:fld id="{893349FD-BFC8-4DCF-989B-61F6D4AAF5DD}" type="datetimeFigureOut">
               <a:rPr lang="en-US" smtClean="0"/>
-              <a:t>1/14/2017</a:t>
+              <a:t>1/22/2017</a:t>
             </a:fld>
             <a:endParaRPr lang="en-US"/>
           </a:p>
@@ -765,7 +770,7 @@
           <a:p>
             <a:fld id="{893349FD-BFC8-4DCF-989B-61F6D4AAF5DD}" type="datetimeFigureOut">
               <a:rPr lang="en-US" smtClean="0"/>
-              <a:t>1/14/2017</a:t>
+              <a:t>1/22/2017</a:t>
             </a:fld>
             <a:endParaRPr lang="en-US"/>
           </a:p>
@@ -1011,7 +1016,7 @@
           <a:p>
             <a:fld id="{893349FD-BFC8-4DCF-989B-61F6D4AAF5DD}" type="datetimeFigureOut">
               <a:rPr lang="en-US" smtClean="0"/>
-              <a:t>1/14/2017</a:t>
+              <a:t>1/22/2017</a:t>
             </a:fld>
             <a:endParaRPr lang="en-US"/>
           </a:p>
@@ -1243,7 +1248,7 @@
           <a:p>
             <a:fld id="{893349FD-BFC8-4DCF-989B-61F6D4AAF5DD}" type="datetimeFigureOut">
               <a:rPr lang="en-US" smtClean="0"/>
-              <a:t>1/14/2017</a:t>
+              <a:t>1/22/2017</a:t>
             </a:fld>
             <a:endParaRPr lang="en-US"/>
           </a:p>
@@ -1610,7 +1615,7 @@
           <a:p>
             <a:fld id="{893349FD-BFC8-4DCF-989B-61F6D4AAF5DD}" type="datetimeFigureOut">
               <a:rPr lang="en-US" smtClean="0"/>
-              <a:t>1/14/2017</a:t>
+              <a:t>1/22/2017</a:t>
             </a:fld>
             <a:endParaRPr lang="en-US"/>
           </a:p>
@@ -1728,7 +1733,7 @@
           <a:p>
             <a:fld id="{893349FD-BFC8-4DCF-989B-61F6D4AAF5DD}" type="datetimeFigureOut">
               <a:rPr lang="en-US" smtClean="0"/>
-              <a:t>1/14/2017</a:t>
+              <a:t>1/22/2017</a:t>
             </a:fld>
             <a:endParaRPr lang="en-US"/>
           </a:p>
@@ -1823,7 +1828,7 @@
           <a:p>
             <a:fld id="{893349FD-BFC8-4DCF-989B-61F6D4AAF5DD}" type="datetimeFigureOut">
               <a:rPr lang="en-US" smtClean="0"/>
-              <a:t>1/14/2017</a:t>
+              <a:t>1/22/2017</a:t>
             </a:fld>
             <a:endParaRPr lang="en-US"/>
           </a:p>
@@ -2100,7 +2105,7 @@
           <a:p>
             <a:fld id="{893349FD-BFC8-4DCF-989B-61F6D4AAF5DD}" type="datetimeFigureOut">
               <a:rPr lang="en-US" smtClean="0"/>
-              <a:t>1/14/2017</a:t>
+              <a:t>1/22/2017</a:t>
             </a:fld>
             <a:endParaRPr lang="en-US"/>
           </a:p>
@@ -2353,7 +2358,7 @@
           <a:p>
             <a:fld id="{893349FD-BFC8-4DCF-989B-61F6D4AAF5DD}" type="datetimeFigureOut">
               <a:rPr lang="en-US" smtClean="0"/>
-              <a:t>1/14/2017</a:t>
+              <a:t>1/22/2017</a:t>
             </a:fld>
             <a:endParaRPr lang="en-US"/>
           </a:p>
@@ -2566,7 +2571,7 @@
           <a:p>
             <a:fld id="{893349FD-BFC8-4DCF-989B-61F6D4AAF5DD}" type="datetimeFigureOut">
               <a:rPr lang="en-US" smtClean="0"/>
-              <a:t>1/14/2017</a:t>
+              <a:t>1/22/2017</a:t>
             </a:fld>
             <a:endParaRPr lang="en-US"/>
           </a:p>
@@ -3093,6 +3098,30 @@
           </a:p>
         </p:txBody>
       </p:sp>
+      <p:pic>
+        <p:nvPicPr>
+          <p:cNvPr id="4" name="Picture 3"/>
+          <p:cNvPicPr>
+            <a:picLocks noChangeAspect="1"/>
+          </p:cNvPicPr>
+          <p:nvPr/>
+        </p:nvPicPr>
+        <p:blipFill>
+          <a:blip r:embed="rId2"/>
+          <a:stretch>
+            <a:fillRect/>
+          </a:stretch>
+        </p:blipFill>
+        <p:spPr>
+          <a:xfrm>
+            <a:off x="1543397" y="1438101"/>
+            <a:ext cx="8900160" cy="5006340"/>
+          </a:xfrm>
+          <a:prstGeom prst="rect">
+            <a:avLst/>
+          </a:prstGeom>
+        </p:spPr>
+      </p:pic>
     </p:spTree>
     <p:extLst>
       <p:ext uri="{BB962C8B-B14F-4D97-AF65-F5344CB8AC3E}">
@@ -3165,6 +3194,30 @@
           </a:p>
         </p:txBody>
       </p:sp>
+      <p:pic>
+        <p:nvPicPr>
+          <p:cNvPr id="4" name="Picture 3"/>
+          <p:cNvPicPr>
+            <a:picLocks noChangeAspect="1"/>
+          </p:cNvPicPr>
+          <p:nvPr/>
+        </p:nvPicPr>
+        <p:blipFill>
+          <a:blip r:embed="rId2"/>
+          <a:stretch>
+            <a:fillRect/>
+          </a:stretch>
+        </p:blipFill>
+        <p:spPr>
+          <a:xfrm>
+            <a:off x="1382208" y="1441634"/>
+            <a:ext cx="9101013" cy="5119320"/>
+          </a:xfrm>
+          <a:prstGeom prst="rect">
+            <a:avLst/>
+          </a:prstGeom>
+        </p:spPr>
+      </p:pic>
     </p:spTree>
     <p:extLst>
       <p:ext uri="{BB962C8B-B14F-4D97-AF65-F5344CB8AC3E}">
@@ -3237,6 +3290,30 @@
           </a:p>
         </p:txBody>
       </p:sp>
+      <p:pic>
+        <p:nvPicPr>
+          <p:cNvPr id="4" name="Picture 3"/>
+          <p:cNvPicPr>
+            <a:picLocks noChangeAspect="1"/>
+          </p:cNvPicPr>
+          <p:nvPr/>
+        </p:nvPicPr>
+        <p:blipFill>
+          <a:blip r:embed="rId2"/>
+          <a:stretch>
+            <a:fillRect/>
+          </a:stretch>
+        </p:blipFill>
+        <p:spPr>
+          <a:xfrm>
+            <a:off x="833121" y="1444625"/>
+            <a:ext cx="10393679" cy="5846444"/>
+          </a:xfrm>
+          <a:prstGeom prst="rect">
+            <a:avLst/>
+          </a:prstGeom>
+        </p:spPr>
+      </p:pic>
     </p:spTree>
     <p:extLst>
       <p:ext uri="{BB962C8B-B14F-4D97-AF65-F5344CB8AC3E}">
@@ -3309,6 +3386,76 @@
           </a:p>
         </p:txBody>
       </p:sp>
+      <p:pic>
+        <p:nvPicPr>
+          <p:cNvPr id="4" name="Picture 3"/>
+          <p:cNvPicPr>
+            <a:picLocks noChangeAspect="1"/>
+          </p:cNvPicPr>
+          <p:nvPr/>
+        </p:nvPicPr>
+        <p:blipFill>
+          <a:blip r:embed="rId2"/>
+          <a:stretch>
+            <a:fillRect/>
+          </a:stretch>
+        </p:blipFill>
+        <p:spPr>
+          <a:xfrm>
+            <a:off x="1637194" y="1518556"/>
+            <a:ext cx="8542990" cy="5274129"/>
+          </a:xfrm>
+          <a:prstGeom prst="rect">
+            <a:avLst/>
+          </a:prstGeom>
+        </p:spPr>
+      </p:pic>
+      <p:sp>
+        <p:nvSpPr>
+          <p:cNvPr id="5" name="Rounded Rectangle 4"/>
+          <p:cNvSpPr/>
+          <p:nvPr/>
+        </p:nvSpPr>
+        <p:spPr>
+          <a:xfrm>
+            <a:off x="6613071" y="2898321"/>
+            <a:ext cx="1240972" cy="775608"/>
+          </a:xfrm>
+          <a:prstGeom prst="roundRect">
+            <a:avLst/>
+          </a:prstGeom>
+          <a:noFill/>
+          <a:ln w="57150">
+            <a:solidFill>
+              <a:srgbClr val="FFFF00"/>
+            </a:solidFill>
+          </a:ln>
+        </p:spPr>
+        <p:style>
+          <a:lnRef idx="2">
+            <a:schemeClr val="accent1">
+              <a:shade val="50000"/>
+            </a:schemeClr>
+          </a:lnRef>
+          <a:fillRef idx="1">
+            <a:schemeClr val="accent1"/>
+          </a:fillRef>
+          <a:effectRef idx="0">
+            <a:schemeClr val="accent1"/>
+          </a:effectRef>
+          <a:fontRef idx="minor">
+            <a:schemeClr val="lt1"/>
+          </a:fontRef>
+        </p:style>
+        <p:txBody>
+          <a:bodyPr rtlCol="0" anchor="ctr"/>
+          <a:lstStyle/>
+          <a:p>
+            <a:pPr algn="ctr"/>
+            <a:endParaRPr lang="en-US"/>
+          </a:p>
+        </p:txBody>
+      </p:sp>
     </p:spTree>
     <p:extLst>
       <p:ext uri="{BB962C8B-B14F-4D97-AF65-F5344CB8AC3E}">
@@ -3500,6 +3647,30 @@
           </a:p>
         </p:txBody>
       </p:sp>
+      <p:pic>
+        <p:nvPicPr>
+          <p:cNvPr id="4" name="Picture 3"/>
+          <p:cNvPicPr>
+            <a:picLocks noChangeAspect="1"/>
+          </p:cNvPicPr>
+          <p:nvPr/>
+        </p:nvPicPr>
+        <p:blipFill>
+          <a:blip r:embed="rId2"/>
+          <a:stretch>
+            <a:fillRect/>
+          </a:stretch>
+        </p:blipFill>
+        <p:spPr>
+          <a:xfrm>
+            <a:off x="3502479" y="1448646"/>
+            <a:ext cx="4595132" cy="5245387"/>
+          </a:xfrm>
+          <a:prstGeom prst="rect">
+            <a:avLst/>
+          </a:prstGeom>
+        </p:spPr>
+      </p:pic>
     </p:spTree>
     <p:extLst>
       <p:ext uri="{BB962C8B-B14F-4D97-AF65-F5344CB8AC3E}">
